--- a/Presentations/IHE-and-HL7.pptx
+++ b/Presentations/IHE-and-HL7.pptx
@@ -14956,14 +14956,22 @@
             <a:spLocks noGrp="1"/>
           </p:cNvSpPr>
           <p:nvPr>
-            <p:ph idx="1"/>
+            <p:ph sz="half" idx="1"/>
           </p:nvPr>
         </p:nvSpPr>
-        <p:spPr/>
-        <p:txBody>
-          <a:bodyPr/>
+        <p:spPr>
+          <a:xfrm>
+            <a:off x="691514" y="2069042"/>
+            <a:ext cx="8376286" cy="4931516"/>
+          </a:xfrm>
+        </p:spPr>
+        <p:txBody>
+          <a:bodyPr>
+            <a:normAutofit fontScale="92500" lnSpcReduction="10000"/>
+          </a:bodyPr>
           <a:lstStyle/>
           <a:p>
+            <a:pPr algn="ctr"/>
             <a:r>
               <a:rPr lang="en-US" dirty="0"/>
               <a:t>Join IHE by visiting: </a:t>
@@ -14977,132 +14985,321 @@
             <a:endParaRPr lang="en-US" dirty="0"/>
           </a:p>
           <a:p>
+            <a:pPr algn="ctr"/>
+            <a:r>
+              <a:rPr lang="en-US" dirty="0"/>
+              <a:t>IHE Deployment Committees Worldwide</a:t>
+            </a:r>
+          </a:p>
+          <a:p>
+            <a:r>
+              <a:rPr lang="en-US" dirty="0">
+                <a:hlinkClick r:id="rId3"/>
+              </a:rPr>
+              <a:t>North America</a:t>
+            </a:r>
             <a:endParaRPr lang="en-US" dirty="0"/>
           </a:p>
-        </p:txBody>
-      </p:sp>
-      <p:pic>
-        <p:nvPicPr>
-          <p:cNvPr id="4" name="Picture 2"/>
-          <p:cNvPicPr>
-            <a:picLocks noChangeAspect="1" noChangeArrowheads="1"/>
-          </p:cNvPicPr>
-          <p:nvPr/>
-        </p:nvPicPr>
-        <p:blipFill rotWithShape="1">
-          <a:blip r:embed="rId3" cstate="screen">
+          <a:p>
+            <a:pPr lvl="1"/>
+            <a:r>
+              <a:rPr lang="en-US" dirty="0">
+                <a:hlinkClick r:id="rId4"/>
+              </a:rPr>
+              <a:t>Canada </a:t>
+            </a:r>
+            <a:endParaRPr lang="en-US" dirty="0"/>
+          </a:p>
+          <a:p>
+            <a:pPr lvl="1"/>
+            <a:r>
+              <a:rPr lang="en-US" dirty="0">
+                <a:hlinkClick r:id="rId5"/>
+              </a:rPr>
+              <a:t>USA</a:t>
+            </a:r>
+            <a:endParaRPr lang="en-US" dirty="0"/>
+          </a:p>
+          <a:p>
+            <a:r>
+              <a:rPr lang="en-US" dirty="0">
+                <a:hlinkClick r:id="rId6"/>
+              </a:rPr>
+              <a:t>South America</a:t>
+            </a:r>
+            <a:endParaRPr lang="en-US" dirty="0"/>
+          </a:p>
+          <a:p>
+            <a:pPr lvl="1"/>
+            <a:r>
+              <a:rPr lang="en-US" dirty="0">
+                <a:hlinkClick r:id="rId7"/>
+              </a:rPr>
+              <a:t>Brazil</a:t>
+            </a:r>
+            <a:endParaRPr lang="en-US" dirty="0"/>
+          </a:p>
+          <a:p>
+            <a:r>
+              <a:rPr lang="en-US" dirty="0">
+                <a:hlinkClick r:id="rId8"/>
+              </a:rPr>
+              <a:t>Asia Pacific</a:t>
+            </a:r>
+            <a:endParaRPr lang="en-US" dirty="0"/>
+          </a:p>
+          <a:p>
+            <a:pPr lvl="1"/>
+            <a:r>
+              <a:rPr lang="en-US" dirty="0">
+                <a:hlinkClick r:id="rId9"/>
+              </a:rPr>
+              <a:t>Australia</a:t>
+            </a:r>
+            <a:endParaRPr lang="en-US" dirty="0"/>
+          </a:p>
+          <a:p>
+            <a:pPr lvl="1"/>
+            <a:r>
+              <a:rPr lang="en-US" dirty="0">
+                <a:hlinkClick r:id="rId10"/>
+              </a:rPr>
+              <a:t>China</a:t>
+            </a:r>
+            <a:endParaRPr lang="en-US" dirty="0"/>
+          </a:p>
+          <a:p>
+            <a:pPr lvl="1"/>
+            <a:r>
+              <a:rPr lang="en-US" dirty="0">
+                <a:hlinkClick r:id="rId11"/>
+              </a:rPr>
+              <a:t>Japan</a:t>
+            </a:r>
+            <a:endParaRPr lang="en-US" dirty="0"/>
+          </a:p>
+          <a:p>
+            <a:pPr lvl="1"/>
+            <a:r>
+              <a:rPr lang="en-US" dirty="0">
+                <a:hlinkClick r:id="rId12"/>
+              </a:rPr>
+              <a:t>Korea</a:t>
+            </a:r>
+            <a:endParaRPr lang="en-US" dirty="0"/>
+          </a:p>
+          <a:p>
+            <a:pPr lvl="1"/>
+            <a:r>
+              <a:rPr lang="en-US" dirty="0">
+                <a:hlinkClick r:id="rId13"/>
+              </a:rPr>
+              <a:t>Taiwan</a:t>
+            </a:r>
+            <a:endParaRPr lang="en-US" dirty="0"/>
+          </a:p>
+          <a:p>
+            <a:r>
+              <a:rPr lang="en-US" dirty="0">
+                <a:hlinkClick r:id="rId14"/>
+              </a:rPr>
+              <a:t>Middle East</a:t>
+            </a:r>
+            <a:endParaRPr lang="en-US" dirty="0"/>
+          </a:p>
+          <a:p>
+            <a:pPr lvl="1"/>
+            <a:r>
+              <a:rPr lang="en-US" dirty="0">
+                <a:hlinkClick r:id="rId15"/>
+              </a:rPr>
+              <a:t>Saudi Arabia</a:t>
+            </a:r>
+            <a:endParaRPr lang="en-US" dirty="0"/>
+          </a:p>
+        </p:txBody>
+      </p:sp>
+      <p:sp>
+        <p:nvSpPr>
+          <p:cNvPr id="5" name="Content Placeholder 4">
             <a:extLst>
-              <a:ext uri="{28A0092B-C50C-407E-A947-70E740481C1C}">
-                <a14:useLocalDpi xmlns:a14="http://schemas.microsoft.com/office/drawing/2010/main"/>
+              <a:ext uri="{FF2B5EF4-FFF2-40B4-BE49-F238E27FC236}">
+                <a16:creationId xmlns:a16="http://schemas.microsoft.com/office/drawing/2014/main" id="{CB3E4A84-C6EC-40EC-A4E0-45DCF5FF8536}"/>
               </a:ext>
             </a:extLst>
-          </a:blip>
-          <a:srcRect/>
-          <a:stretch/>
-        </p:blipFill>
-        <p:spPr bwMode="auto">
-          <a:xfrm>
-            <a:off x="3014076" y="2804658"/>
-            <a:ext cx="4668661" cy="2670546"/>
-          </a:xfrm>
-          <a:prstGeom prst="rect">
-            <a:avLst/>
-          </a:prstGeom>
-          <a:noFill/>
-          <a:ln>
-            <a:noFill/>
-          </a:ln>
-          <a:effectLst/>
-          <a:extLst>
-            <a:ext uri="{909E8E84-426E-40DD-AFC4-6F175D3DCCD1}">
-              <a14:hiddenFill xmlns:a14="http://schemas.microsoft.com/office/drawing/2010/main">
-                <a:solidFill>
-                  <a:schemeClr val="accent1"/>
-                </a:solidFill>
-              </a14:hiddenFill>
-            </a:ext>
-            <a:ext uri="{91240B29-F687-4F45-9708-019B960494DF}">
-              <a14:hiddenLine xmlns:a14="http://schemas.microsoft.com/office/drawing/2010/main" w="9525">
-                <a:solidFill>
-                  <a:schemeClr val="tx1"/>
-                </a:solidFill>
-                <a:miter lim="800000"/>
-                <a:headEnd/>
-                <a:tailEnd/>
-              </a14:hiddenLine>
-            </a:ext>
-            <a:ext uri="{AF507438-7753-43E0-B8FC-AC1667EBCBE1}">
-              <a14:hiddenEffects xmlns:a14="http://schemas.microsoft.com/office/drawing/2010/main">
-                <a:effectLst>
-                  <a:outerShdw dist="35921" dir="2700000" algn="ctr" rotWithShape="0">
-                    <a:schemeClr val="bg2"/>
-                  </a:outerShdw>
-                </a:effectLst>
-              </a14:hiddenEffects>
-            </a:ext>
-          </a:extLst>
-        </p:spPr>
-      </p:pic>
-      <p:pic>
-        <p:nvPicPr>
-          <p:cNvPr id="7" name="Picture 6"/>
-          <p:cNvPicPr>
-            <a:picLocks noChangeAspect="1"/>
-          </p:cNvPicPr>
-          <p:nvPr/>
-        </p:nvPicPr>
-        <p:blipFill>
-          <a:blip r:embed="rId4">
-            <a:extLst>
-              <a:ext uri="{28A0092B-C50C-407E-A947-70E740481C1C}">
-                <a14:useLocalDpi xmlns:a14="http://schemas.microsoft.com/office/drawing/2010/main"/>
-              </a:ext>
-            </a:extLst>
-          </a:blip>
-          <a:stretch>
-            <a:fillRect/>
-          </a:stretch>
-        </p:blipFill>
+          </p:cNvPr>
+          <p:cNvSpPr>
+            <a:spLocks noGrp="1"/>
+          </p:cNvSpPr>
+          <p:nvPr>
+            <p:ph sz="half" idx="2"/>
+          </p:nvPr>
+        </p:nvSpPr>
         <p:spPr>
           <a:xfrm>
-            <a:off x="3014076" y="5639307"/>
-            <a:ext cx="6490474" cy="1066293"/>
+            <a:off x="5092065" y="2817470"/>
+            <a:ext cx="4274820" cy="4333558"/>
           </a:xfrm>
-          <a:prstGeom prst="rect">
-            <a:avLst/>
-          </a:prstGeom>
         </p:spPr>
-      </p:pic>
-      <p:pic>
-        <p:nvPicPr>
-          <p:cNvPr id="2" name="Picture 1"/>
-          <p:cNvPicPr>
-            <a:picLocks noChangeAspect="1"/>
-          </p:cNvPicPr>
-          <p:nvPr/>
-        </p:nvPicPr>
-        <p:blipFill>
-          <a:blip r:embed="rId5" cstate="screen">
-            <a:extLst>
-              <a:ext uri="{28A0092B-C50C-407E-A947-70E740481C1C}">
-                <a14:useLocalDpi xmlns:a14="http://schemas.microsoft.com/office/drawing/2010/main"/>
-              </a:ext>
-            </a:extLst>
-          </a:blip>
-          <a:stretch>
-            <a:fillRect/>
-          </a:stretch>
-        </p:blipFill>
-        <p:spPr>
-          <a:xfrm>
-            <a:off x="1177435" y="2812781"/>
-            <a:ext cx="1682922" cy="3892819"/>
-          </a:xfrm>
-          <a:prstGeom prst="rect">
-            <a:avLst/>
-          </a:prstGeom>
-        </p:spPr>
-      </p:pic>
+        <p:txBody>
+          <a:bodyPr>
+            <a:normAutofit fontScale="92500" lnSpcReduction="10000"/>
+          </a:bodyPr>
+          <a:lstStyle/>
+          <a:p>
+            <a:r>
+              <a:rPr lang="en-US" u="sng" dirty="0">
+                <a:hlinkClick r:id="rId16"/>
+              </a:rPr>
+              <a:t>Europe</a:t>
+            </a:r>
+            <a:endParaRPr lang="en-US" dirty="0"/>
+          </a:p>
+          <a:p>
+            <a:pPr lvl="1"/>
+            <a:r>
+              <a:rPr lang="en-US" dirty="0">
+                <a:hlinkClick r:id="rId17"/>
+              </a:rPr>
+              <a:t>Austria</a:t>
+            </a:r>
+            <a:endParaRPr lang="en-US" dirty="0"/>
+          </a:p>
+          <a:p>
+            <a:pPr lvl="1"/>
+            <a:r>
+              <a:rPr lang="en-US" dirty="0">
+                <a:hlinkClick r:id="rId18"/>
+              </a:rPr>
+              <a:t>Belgium</a:t>
+            </a:r>
+            <a:endParaRPr lang="en-US" dirty="0"/>
+          </a:p>
+          <a:p>
+            <a:pPr lvl="1"/>
+            <a:r>
+              <a:rPr lang="en-US" dirty="0"/>
+              <a:t>Czech Republic</a:t>
+            </a:r>
+          </a:p>
+          <a:p>
+            <a:pPr lvl="1"/>
+            <a:r>
+              <a:rPr lang="en-US" dirty="0">
+                <a:hlinkClick r:id="rId19"/>
+              </a:rPr>
+              <a:t>Europe</a:t>
+            </a:r>
+            <a:endParaRPr lang="en-US" dirty="0"/>
+          </a:p>
+          <a:p>
+            <a:pPr lvl="1"/>
+            <a:r>
+              <a:rPr lang="en-US" dirty="0">
+                <a:hlinkClick r:id="rId20"/>
+              </a:rPr>
+              <a:t>Finland</a:t>
+            </a:r>
+            <a:endParaRPr lang="en-US" dirty="0"/>
+          </a:p>
+          <a:p>
+            <a:pPr lvl="1"/>
+            <a:r>
+              <a:rPr lang="en-US" dirty="0">
+                <a:hlinkClick r:id="rId21"/>
+              </a:rPr>
+              <a:t>France</a:t>
+            </a:r>
+            <a:endParaRPr lang="en-US" dirty="0"/>
+          </a:p>
+          <a:p>
+            <a:pPr lvl="1"/>
+            <a:r>
+              <a:rPr lang="en-US" dirty="0">
+                <a:hlinkClick r:id="rId22"/>
+              </a:rPr>
+              <a:t>Germany</a:t>
+            </a:r>
+            <a:endParaRPr lang="en-US" dirty="0"/>
+          </a:p>
+          <a:p>
+            <a:pPr lvl="1"/>
+            <a:r>
+              <a:rPr lang="en-US" dirty="0">
+                <a:hlinkClick r:id="rId23"/>
+              </a:rPr>
+              <a:t>Italy</a:t>
+            </a:r>
+            <a:endParaRPr lang="en-US" dirty="0"/>
+          </a:p>
+          <a:p>
+            <a:pPr lvl="1"/>
+            <a:r>
+              <a:rPr lang="en-US" dirty="0">
+                <a:hlinkClick r:id="rId24"/>
+              </a:rPr>
+              <a:t>Luxembourg</a:t>
+            </a:r>
+            <a:endParaRPr lang="en-US" dirty="0"/>
+          </a:p>
+          <a:p>
+            <a:pPr lvl="1"/>
+            <a:r>
+              <a:rPr lang="en-US" dirty="0">
+                <a:hlinkClick r:id="rId25"/>
+              </a:rPr>
+              <a:t>Netherlands</a:t>
+            </a:r>
+            <a:endParaRPr lang="en-US" dirty="0"/>
+          </a:p>
+          <a:p>
+            <a:pPr lvl="1"/>
+            <a:r>
+              <a:rPr lang="en-US" dirty="0">
+                <a:hlinkClick r:id="rId26"/>
+              </a:rPr>
+              <a:t>Spain</a:t>
+            </a:r>
+            <a:endParaRPr lang="en-US" dirty="0"/>
+          </a:p>
+          <a:p>
+            <a:pPr lvl="1"/>
+            <a:r>
+              <a:rPr lang="en-US" dirty="0">
+                <a:hlinkClick r:id="rId27"/>
+              </a:rPr>
+              <a:t>Switzerland</a:t>
+            </a:r>
+            <a:endParaRPr lang="en-US" dirty="0"/>
+          </a:p>
+          <a:p>
+            <a:pPr lvl="1"/>
+            <a:r>
+              <a:rPr lang="en-US" dirty="0">
+                <a:hlinkClick r:id="rId28"/>
+              </a:rPr>
+              <a:t>Turkey</a:t>
+            </a:r>
+            <a:endParaRPr lang="en-US" dirty="0"/>
+          </a:p>
+          <a:p>
+            <a:pPr lvl="1"/>
+            <a:r>
+              <a:rPr lang="en-US" dirty="0">
+                <a:hlinkClick r:id="rId29"/>
+              </a:rPr>
+              <a:t>UK</a:t>
+            </a:r>
+            <a:endParaRPr lang="en-US" dirty="0"/>
+          </a:p>
+          <a:p>
+            <a:endParaRPr lang="en-US" dirty="0"/>
+          </a:p>
+          <a:p>
+            <a:endParaRPr lang="en-US" dirty="0"/>
+          </a:p>
+        </p:txBody>
+      </p:sp>
     </p:spTree>
     <p:extLst>
       <p:ext uri="{BB962C8B-B14F-4D97-AF65-F5344CB8AC3E}">
@@ -15133,6 +15330,53 @@
           <a:chExt cx="0" cy="0"/>
         </a:xfrm>
       </p:grpSpPr>
+      <p:pic>
+        <p:nvPicPr>
+          <p:cNvPr id="1026" name="Picture 2">
+            <a:extLst>
+              <a:ext uri="{FF2B5EF4-FFF2-40B4-BE49-F238E27FC236}">
+                <a16:creationId xmlns:a16="http://schemas.microsoft.com/office/drawing/2014/main" id="{784C3488-82E8-4639-955E-FE4927C1F1BA}"/>
+              </a:ext>
+            </a:extLst>
+          </p:cNvPr>
+          <p:cNvPicPr>
+            <a:picLocks noChangeAspect="1" noChangeArrowheads="1"/>
+          </p:cNvPicPr>
+          <p:nvPr/>
+        </p:nvPicPr>
+        <p:blipFill>
+          <a:blip r:embed="rId3">
+            <a:extLst>
+              <a:ext uri="{28A0092B-C50C-407E-A947-70E740481C1C}">
+                <a14:useLocalDpi xmlns:a14="http://schemas.microsoft.com/office/drawing/2010/main" val="0"/>
+              </a:ext>
+            </a:extLst>
+          </a:blip>
+          <a:srcRect/>
+          <a:stretch>
+            <a:fillRect/>
+          </a:stretch>
+        </p:blipFill>
+        <p:spPr bwMode="auto">
+          <a:xfrm>
+            <a:off x="277761" y="176851"/>
+            <a:ext cx="9753600" cy="3305175"/>
+          </a:xfrm>
+          <a:prstGeom prst="rect">
+            <a:avLst/>
+          </a:prstGeom>
+          <a:noFill/>
+          <a:extLst>
+            <a:ext uri="{909E8E84-426E-40DD-AFC4-6F175D3DCCD1}">
+              <a14:hiddenFill xmlns:a14="http://schemas.microsoft.com/office/drawing/2010/main">
+                <a:solidFill>
+                  <a:srgbClr val="FFFFFF"/>
+                </a:solidFill>
+              </a14:hiddenFill>
+            </a:ext>
+          </a:extLst>
+        </p:spPr>
+      </p:pic>
       <p:sp>
         <p:nvSpPr>
           <p:cNvPr id="2" name="Title 1">
@@ -15149,18 +15393,23 @@
             <p:ph type="ctrTitle"/>
           </p:nvPr>
         </p:nvSpPr>
-        <p:spPr/>
+        <p:spPr>
+          <a:xfrm>
+            <a:off x="1257300" y="2636997"/>
+            <a:ext cx="7543800" cy="2705947"/>
+          </a:xfrm>
+        </p:spPr>
         <p:txBody>
           <a:bodyPr/>
           <a:lstStyle/>
           <a:p>
             <a:pPr defTabSz="1018818"/>
             <a:r>
-              <a:rPr lang="en-US" sz="5400"/>
+              <a:rPr lang="en-US" sz="5400" dirty="0"/>
               <a:t>Questions?</a:t>
             </a:r>
             <a:br>
-              <a:rPr lang="en-US" sz="5400"/>
+              <a:rPr lang="en-US" sz="5400" dirty="0"/>
             </a:br>
             <a:endParaRPr lang="en-US" sz="5400" dirty="0"/>
           </a:p>
@@ -15182,7 +15431,12 @@
             <p:ph type="subTitle" idx="1"/>
           </p:nvPr>
         </p:nvSpPr>
-        <p:spPr/>
+        <p:spPr>
+          <a:xfrm>
+            <a:off x="1382661" y="5283580"/>
+            <a:ext cx="7543800" cy="1876530"/>
+          </a:xfrm>
+        </p:spPr>
         <p:txBody>
           <a:bodyPr/>
           <a:lstStyle/>

--- a/Presentations/IHE-and-HL7.pptx
+++ b/Presentations/IHE-and-HL7.pptx
@@ -5,10 +5,10 @@
     <p:sldMasterId id="2147483677" r:id="rId1"/>
   </p:sldMasterIdLst>
   <p:notesMasterIdLst>
-    <p:notesMasterId r:id="rId25"/>
+    <p:notesMasterId r:id="rId28"/>
   </p:notesMasterIdLst>
   <p:handoutMasterIdLst>
-    <p:handoutMasterId r:id="rId26"/>
+    <p:handoutMasterId r:id="rId29"/>
   </p:handoutMasterIdLst>
   <p:sldIdLst>
     <p:sldId id="338" r:id="rId2"/>
@@ -33,7 +33,10 @@
     <p:sldId id="269" r:id="rId21"/>
     <p:sldId id="270" r:id="rId22"/>
     <p:sldId id="313" r:id="rId23"/>
-    <p:sldId id="2331" r:id="rId24"/>
+    <p:sldId id="2343" r:id="rId24"/>
+    <p:sldId id="2344" r:id="rId25"/>
+    <p:sldId id="2345" r:id="rId26"/>
+    <p:sldId id="2331" r:id="rId27"/>
   </p:sldIdLst>
   <p:sldSz cx="10058400" cy="7772400"/>
   <p:notesSz cx="7053263" cy="9356725"/>
@@ -4298,6 +4301,354 @@
       </p:grpSpPr>
       <p:sp>
         <p:nvSpPr>
+          <p:cNvPr id="2" name="Slide Image Placeholder 1"/>
+          <p:cNvSpPr>
+            <a:spLocks noGrp="1" noRot="1" noChangeAspect="1"/>
+          </p:cNvSpPr>
+          <p:nvPr>
+            <p:ph type="sldImg"/>
+          </p:nvPr>
+        </p:nvSpPr>
+        <p:spPr/>
+      </p:sp>
+      <p:sp>
+        <p:nvSpPr>
+          <p:cNvPr id="3" name="Notes Placeholder 2"/>
+          <p:cNvSpPr>
+            <a:spLocks noGrp="1"/>
+          </p:cNvSpPr>
+          <p:nvPr>
+            <p:ph type="body" idx="1"/>
+          </p:nvPr>
+        </p:nvSpPr>
+        <p:spPr/>
+        <p:txBody>
+          <a:bodyPr/>
+          <a:lstStyle/>
+          <a:p>
+            <a:pPr marL="0" marR="0" lvl="0" indent="0" algn="l" defTabSz="914400" rtl="0" eaLnBrk="0" fontAlgn="base" latinLnBrk="0" hangingPunct="0">
+              <a:lnSpc>
+                <a:spcPct val="100000"/>
+              </a:lnSpc>
+              <a:spcBef>
+                <a:spcPct val="30000"/>
+              </a:spcBef>
+              <a:spcAft>
+                <a:spcPct val="0"/>
+              </a:spcAft>
+              <a:buClrTx/>
+              <a:buSzTx/>
+              <a:buFontTx/>
+              <a:buNone/>
+              <a:tabLst/>
+              <a:defRPr/>
+            </a:pPr>
+            <a:r>
+              <a:rPr lang="en-US" dirty="0">
+                <a:hlinkClick r:id="rId3"/>
+              </a:rPr>
+              <a:t>https://healthcaresecprivacy.blogspot.com/2019/10/introduction-to-ihe.html</a:t>
+            </a:r>
+            <a:endParaRPr lang="en-US" dirty="0"/>
+          </a:p>
+          <a:p>
+            <a:endParaRPr lang="en-US" dirty="0"/>
+          </a:p>
+        </p:txBody>
+      </p:sp>
+      <p:sp>
+        <p:nvSpPr>
+          <p:cNvPr id="4" name="Slide Number Placeholder 3"/>
+          <p:cNvSpPr>
+            <a:spLocks noGrp="1"/>
+          </p:cNvSpPr>
+          <p:nvPr>
+            <p:ph type="sldNum" sz="quarter" idx="5"/>
+          </p:nvPr>
+        </p:nvSpPr>
+        <p:spPr/>
+        <p:txBody>
+          <a:bodyPr/>
+          <a:lstStyle/>
+          <a:p>
+            <a:pPr>
+              <a:defRPr/>
+            </a:pPr>
+            <a:fld id="{6382D7ED-FE3C-4D0E-A496-3B0056AAD3E6}" type="slidenum">
+              <a:rPr lang="en-US" smtClean="0"/>
+              <a:pPr>
+                <a:defRPr/>
+              </a:pPr>
+              <a:t>23</a:t>
+            </a:fld>
+            <a:endParaRPr lang="en-US"/>
+          </a:p>
+        </p:txBody>
+      </p:sp>
+    </p:spTree>
+    <p:extLst>
+      <p:ext uri="{BB962C8B-B14F-4D97-AF65-F5344CB8AC3E}">
+        <p14:creationId xmlns:p14="http://schemas.microsoft.com/office/powerpoint/2010/main" val="2552297933"/>
+      </p:ext>
+    </p:extLst>
+  </p:cSld>
+  <p:clrMapOvr>
+    <a:masterClrMapping/>
+  </p:clrMapOvr>
+</p:notes>
+</file>
+
+<file path=ppt/notesSlides/notesSlide6.xml><?xml version="1.0" encoding="utf-8"?>
+<p:notes xmlns:a="http://schemas.openxmlformats.org/drawingml/2006/main" xmlns:r="http://schemas.openxmlformats.org/officeDocument/2006/relationships" xmlns:p="http://schemas.openxmlformats.org/presentationml/2006/main">
+  <p:cSld>
+    <p:spTree>
+      <p:nvGrpSpPr>
+        <p:cNvPr id="1" name=""/>
+        <p:cNvGrpSpPr/>
+        <p:nvPr/>
+      </p:nvGrpSpPr>
+      <p:grpSpPr>
+        <a:xfrm>
+          <a:off x="0" y="0"/>
+          <a:ext cx="0" cy="0"/>
+          <a:chOff x="0" y="0"/>
+          <a:chExt cx="0" cy="0"/>
+        </a:xfrm>
+      </p:grpSpPr>
+      <p:sp>
+        <p:nvSpPr>
+          <p:cNvPr id="2" name="Slide Image Placeholder 1"/>
+          <p:cNvSpPr>
+            <a:spLocks noGrp="1" noRot="1" noChangeAspect="1"/>
+          </p:cNvSpPr>
+          <p:nvPr>
+            <p:ph type="sldImg"/>
+          </p:nvPr>
+        </p:nvSpPr>
+        <p:spPr/>
+      </p:sp>
+      <p:sp>
+        <p:nvSpPr>
+          <p:cNvPr id="3" name="Notes Placeholder 2"/>
+          <p:cNvSpPr>
+            <a:spLocks noGrp="1"/>
+          </p:cNvSpPr>
+          <p:nvPr>
+            <p:ph type="body" idx="1"/>
+          </p:nvPr>
+        </p:nvSpPr>
+        <p:spPr/>
+        <p:txBody>
+          <a:bodyPr/>
+          <a:lstStyle/>
+          <a:p>
+            <a:pPr marL="0" marR="0" lvl="0" indent="0" algn="l" defTabSz="914400" rtl="0" eaLnBrk="0" fontAlgn="base" latinLnBrk="0" hangingPunct="0">
+              <a:lnSpc>
+                <a:spcPct val="100000"/>
+              </a:lnSpc>
+              <a:spcBef>
+                <a:spcPct val="30000"/>
+              </a:spcBef>
+              <a:spcAft>
+                <a:spcPct val="0"/>
+              </a:spcAft>
+              <a:buClrTx/>
+              <a:buSzTx/>
+              <a:buFontTx/>
+              <a:buNone/>
+              <a:tabLst/>
+              <a:defRPr/>
+            </a:pPr>
+            <a:r>
+              <a:rPr lang="en-US" dirty="0">
+                <a:hlinkClick r:id="rId3"/>
+              </a:rPr>
+              <a:t>https://healthcaresecprivacy.blogspot.com/2019/10/introduction-to-ihe.html</a:t>
+            </a:r>
+            <a:endParaRPr lang="en-US" dirty="0"/>
+          </a:p>
+          <a:p>
+            <a:endParaRPr lang="en-US" dirty="0"/>
+          </a:p>
+        </p:txBody>
+      </p:sp>
+      <p:sp>
+        <p:nvSpPr>
+          <p:cNvPr id="4" name="Slide Number Placeholder 3"/>
+          <p:cNvSpPr>
+            <a:spLocks noGrp="1"/>
+          </p:cNvSpPr>
+          <p:nvPr>
+            <p:ph type="sldNum" sz="quarter" idx="5"/>
+          </p:nvPr>
+        </p:nvSpPr>
+        <p:spPr/>
+        <p:txBody>
+          <a:bodyPr/>
+          <a:lstStyle/>
+          <a:p>
+            <a:pPr>
+              <a:defRPr/>
+            </a:pPr>
+            <a:fld id="{6382D7ED-FE3C-4D0E-A496-3B0056AAD3E6}" type="slidenum">
+              <a:rPr lang="en-US" smtClean="0"/>
+              <a:pPr>
+                <a:defRPr/>
+              </a:pPr>
+              <a:t>24</a:t>
+            </a:fld>
+            <a:endParaRPr lang="en-US"/>
+          </a:p>
+        </p:txBody>
+      </p:sp>
+    </p:spTree>
+    <p:extLst>
+      <p:ext uri="{BB962C8B-B14F-4D97-AF65-F5344CB8AC3E}">
+        <p14:creationId xmlns:p14="http://schemas.microsoft.com/office/powerpoint/2010/main" val="537145710"/>
+      </p:ext>
+    </p:extLst>
+  </p:cSld>
+  <p:clrMapOvr>
+    <a:masterClrMapping/>
+  </p:clrMapOvr>
+</p:notes>
+</file>
+
+<file path=ppt/notesSlides/notesSlide7.xml><?xml version="1.0" encoding="utf-8"?>
+<p:notes xmlns:a="http://schemas.openxmlformats.org/drawingml/2006/main" xmlns:r="http://schemas.openxmlformats.org/officeDocument/2006/relationships" xmlns:p="http://schemas.openxmlformats.org/presentationml/2006/main">
+  <p:cSld>
+    <p:spTree>
+      <p:nvGrpSpPr>
+        <p:cNvPr id="1" name=""/>
+        <p:cNvGrpSpPr/>
+        <p:nvPr/>
+      </p:nvGrpSpPr>
+      <p:grpSpPr>
+        <a:xfrm>
+          <a:off x="0" y="0"/>
+          <a:ext cx="0" cy="0"/>
+          <a:chOff x="0" y="0"/>
+          <a:chExt cx="0" cy="0"/>
+        </a:xfrm>
+      </p:grpSpPr>
+      <p:sp>
+        <p:nvSpPr>
+          <p:cNvPr id="2" name="Slide Image Placeholder 1"/>
+          <p:cNvSpPr>
+            <a:spLocks noGrp="1" noRot="1" noChangeAspect="1"/>
+          </p:cNvSpPr>
+          <p:nvPr>
+            <p:ph type="sldImg"/>
+          </p:nvPr>
+        </p:nvSpPr>
+        <p:spPr/>
+      </p:sp>
+      <p:sp>
+        <p:nvSpPr>
+          <p:cNvPr id="3" name="Notes Placeholder 2"/>
+          <p:cNvSpPr>
+            <a:spLocks noGrp="1"/>
+          </p:cNvSpPr>
+          <p:nvPr>
+            <p:ph type="body" idx="1"/>
+          </p:nvPr>
+        </p:nvSpPr>
+        <p:spPr/>
+        <p:txBody>
+          <a:bodyPr/>
+          <a:lstStyle/>
+          <a:p>
+            <a:pPr marL="0" marR="0" lvl="0" indent="0" algn="l" defTabSz="914400" rtl="0" eaLnBrk="0" fontAlgn="base" latinLnBrk="0" hangingPunct="0">
+              <a:lnSpc>
+                <a:spcPct val="100000"/>
+              </a:lnSpc>
+              <a:spcBef>
+                <a:spcPct val="30000"/>
+              </a:spcBef>
+              <a:spcAft>
+                <a:spcPct val="0"/>
+              </a:spcAft>
+              <a:buClrTx/>
+              <a:buSzTx/>
+              <a:buFontTx/>
+              <a:buNone/>
+              <a:tabLst/>
+              <a:defRPr/>
+            </a:pPr>
+            <a:r>
+              <a:rPr lang="en-US" dirty="0">
+                <a:hlinkClick r:id="rId3"/>
+              </a:rPr>
+              <a:t>https://healthcaresecprivacy.blogspot.com/2019/10/introduction-to-ihe.html</a:t>
+            </a:r>
+            <a:endParaRPr lang="en-US" dirty="0"/>
+          </a:p>
+          <a:p>
+            <a:endParaRPr lang="en-US" dirty="0"/>
+          </a:p>
+        </p:txBody>
+      </p:sp>
+      <p:sp>
+        <p:nvSpPr>
+          <p:cNvPr id="4" name="Slide Number Placeholder 3"/>
+          <p:cNvSpPr>
+            <a:spLocks noGrp="1"/>
+          </p:cNvSpPr>
+          <p:nvPr>
+            <p:ph type="sldNum" sz="quarter" idx="5"/>
+          </p:nvPr>
+        </p:nvSpPr>
+        <p:spPr/>
+        <p:txBody>
+          <a:bodyPr/>
+          <a:lstStyle/>
+          <a:p>
+            <a:pPr>
+              <a:defRPr/>
+            </a:pPr>
+            <a:fld id="{6382D7ED-FE3C-4D0E-A496-3B0056AAD3E6}" type="slidenum">
+              <a:rPr lang="en-US" smtClean="0"/>
+              <a:pPr>
+                <a:defRPr/>
+              </a:pPr>
+              <a:t>25</a:t>
+            </a:fld>
+            <a:endParaRPr lang="en-US"/>
+          </a:p>
+        </p:txBody>
+      </p:sp>
+    </p:spTree>
+    <p:extLst>
+      <p:ext uri="{BB962C8B-B14F-4D97-AF65-F5344CB8AC3E}">
+        <p14:creationId xmlns:p14="http://schemas.microsoft.com/office/powerpoint/2010/main" val="4262533391"/>
+      </p:ext>
+    </p:extLst>
+  </p:cSld>
+  <p:clrMapOvr>
+    <a:masterClrMapping/>
+  </p:clrMapOvr>
+</p:notes>
+</file>
+
+<file path=ppt/notesSlides/notesSlide8.xml><?xml version="1.0" encoding="utf-8"?>
+<p:notes xmlns:a="http://schemas.openxmlformats.org/drawingml/2006/main" xmlns:r="http://schemas.openxmlformats.org/officeDocument/2006/relationships" xmlns:p="http://schemas.openxmlformats.org/presentationml/2006/main">
+  <p:cSld>
+    <p:spTree>
+      <p:nvGrpSpPr>
+        <p:cNvPr id="1" name=""/>
+        <p:cNvGrpSpPr/>
+        <p:nvPr/>
+      </p:nvGrpSpPr>
+      <p:grpSpPr>
+        <a:xfrm>
+          <a:off x="0" y="0"/>
+          <a:ext cx="0" cy="0"/>
+          <a:chOff x="0" y="0"/>
+          <a:chExt cx="0" cy="0"/>
+        </a:xfrm>
+      </p:grpSpPr>
+      <p:sp>
+        <p:nvSpPr>
           <p:cNvPr id="132098" name="Rectangle 7"/>
           <p:cNvSpPr>
             <a:spLocks noGrp="1" noChangeArrowheads="1"/>
@@ -4317,7 +4668,7 @@
             <a:fld id="{1D27111E-FC2B-4A84-BB26-67BA3BE2E651}" type="slidenum">
               <a:rPr lang="en-US" smtClean="0"/>
               <a:pPr defTabSz="910041"/>
-              <a:t>23</a:t>
+              <a:t>26</a:t>
             </a:fld>
             <a:endParaRPr lang="en-US" dirty="0"/>
           </a:p>
@@ -10970,7 +11321,7 @@
         <p:spPr>
           <a:xfrm>
             <a:off x="360703" y="1613004"/>
-            <a:ext cx="8686800" cy="1508105"/>
+            <a:ext cx="8686800" cy="1785104"/>
           </a:xfrm>
           <a:prstGeom prst="rect">
             <a:avLst/>
@@ -11000,6 +11351,13 @@
             <a:pPr algn="ctr"/>
             <a:r>
               <a:rPr lang="en-US" dirty="0"/>
+              <a:t>&lt;JohnMoehrke@gmail.com&gt;</a:t>
+            </a:r>
+          </a:p>
+          <a:p>
+            <a:pPr algn="ctr"/>
+            <a:r>
+              <a:rPr lang="en-US" dirty="0"/>
               <a:t>&lt;John.Moehrke@byLight.com&gt;</a:t>
             </a:r>
           </a:p>
@@ -11007,7 +11365,7 @@
             <a:pPr algn="ctr"/>
             <a:r>
               <a:rPr lang="en-US" dirty="0"/>
-              <a:t>Co-Chair: IHE ITI Planning Committee</a:t>
+              <a:t>Co-Chair: IHE ITI Planning and Technical Committees</a:t>
             </a:r>
           </a:p>
         </p:txBody>
@@ -14094,35 +14452,54 @@
             <p:ph idx="1"/>
           </p:nvPr>
         </p:nvSpPr>
-        <p:spPr/>
+        <p:spPr>
+          <a:xfrm>
+            <a:off x="691515" y="2069042"/>
+            <a:ext cx="5404485" cy="4931516"/>
+          </a:xfrm>
+        </p:spPr>
         <p:txBody>
           <a:bodyPr/>
           <a:lstStyle/>
           <a:p>
             <a:r>
               <a:rPr lang="en-US" dirty="0"/>
-              <a:t>You should:</a:t>
+              <a:t>You should understand:</a:t>
             </a:r>
           </a:p>
           <a:p>
             <a:pPr lvl="1"/>
             <a:r>
               <a:rPr lang="en-US" dirty="0"/>
-              <a:t>Understand the role of IHE in interoperability</a:t>
+              <a:t>the role of IHE in interoperability</a:t>
             </a:r>
           </a:p>
           <a:p>
             <a:pPr lvl="1"/>
             <a:r>
               <a:rPr lang="en-US" dirty="0"/>
-              <a:t>Understand the role of HL7 in interoperability</a:t>
+              <a:t>the role of HL7 in interoperability</a:t>
             </a:r>
           </a:p>
           <a:p>
             <a:pPr lvl="1"/>
             <a:r>
               <a:rPr lang="en-US" dirty="0"/>
-              <a:t>Understand the IHE specification development process</a:t>
+              <a:t>the IHE specification development process</a:t>
+            </a:r>
+          </a:p>
+          <a:p>
+            <a:pPr lvl="1"/>
+            <a:r>
+              <a:rPr lang="en-US" dirty="0"/>
+              <a:t>IHE Connectathon </a:t>
+            </a:r>
+          </a:p>
+          <a:p>
+            <a:pPr lvl="1"/>
+            <a:r>
+              <a:rPr lang="en-US" dirty="0"/>
+              <a:t>FHIR Connectathon</a:t>
             </a:r>
           </a:p>
           <a:p>
@@ -14180,8 +14557,8 @@
         </p:blipFill>
         <p:spPr>
           <a:xfrm>
-            <a:off x="2338401" y="4161318"/>
-            <a:ext cx="1481101" cy="2057846"/>
+            <a:off x="6172200" y="3169090"/>
+            <a:ext cx="2843199" cy="3950349"/>
           </a:xfrm>
           <a:prstGeom prst="rect">
             <a:avLst/>
@@ -15314,6 +15691,662 @@
 </file>
 
 <file path=ppt/slides/slide23.xml><?xml version="1.0" encoding="utf-8"?>
+<p:sld xmlns:a="http://schemas.openxmlformats.org/drawingml/2006/main" xmlns:r="http://schemas.openxmlformats.org/officeDocument/2006/relationships" xmlns:p="http://schemas.openxmlformats.org/presentationml/2006/main">
+  <p:cSld>
+    <p:spTree>
+      <p:nvGrpSpPr>
+        <p:cNvPr id="1" name=""/>
+        <p:cNvGrpSpPr/>
+        <p:nvPr/>
+      </p:nvGrpSpPr>
+      <p:grpSpPr>
+        <a:xfrm>
+          <a:off x="0" y="0"/>
+          <a:ext cx="0" cy="0"/>
+          <a:chOff x="0" y="0"/>
+          <a:chExt cx="0" cy="0"/>
+        </a:xfrm>
+      </p:grpSpPr>
+      <p:sp>
+        <p:nvSpPr>
+          <p:cNvPr id="2" name="Title 1">
+            <a:extLst>
+              <a:ext uri="{FF2B5EF4-FFF2-40B4-BE49-F238E27FC236}">
+                <a16:creationId xmlns:a16="http://schemas.microsoft.com/office/drawing/2014/main" id="{52D371B2-EC59-4847-8FA6-C7BAD6A33F70}"/>
+              </a:ext>
+            </a:extLst>
+          </p:cNvPr>
+          <p:cNvSpPr>
+            <a:spLocks noGrp="1"/>
+          </p:cNvSpPr>
+          <p:nvPr>
+            <p:ph type="title"/>
+          </p:nvPr>
+        </p:nvSpPr>
+        <p:spPr/>
+        <p:txBody>
+          <a:bodyPr/>
+          <a:lstStyle/>
+          <a:p>
+            <a:r>
+              <a:rPr lang="en-US" dirty="0"/>
+              <a:t>More background on IHE</a:t>
+            </a:r>
+          </a:p>
+        </p:txBody>
+      </p:sp>
+      <p:sp>
+        <p:nvSpPr>
+          <p:cNvPr id="6" name="Content Placeholder 5">
+            <a:extLst>
+              <a:ext uri="{FF2B5EF4-FFF2-40B4-BE49-F238E27FC236}">
+                <a16:creationId xmlns:a16="http://schemas.microsoft.com/office/drawing/2014/main" id="{CB29F1DA-BEB4-4CCC-ADC7-8D78A8BBC258}"/>
+              </a:ext>
+            </a:extLst>
+          </p:cNvPr>
+          <p:cNvSpPr>
+            <a:spLocks noGrp="1"/>
+          </p:cNvSpPr>
+          <p:nvPr>
+            <p:ph idx="1"/>
+          </p:nvPr>
+        </p:nvSpPr>
+        <p:spPr/>
+        <p:txBody>
+          <a:bodyPr>
+            <a:normAutofit lnSpcReduction="10000"/>
+          </a:bodyPr>
+          <a:lstStyle/>
+          <a:p>
+            <a:r>
+              <a:rPr lang="en-US" dirty="0"/>
+              <a:t>IHE-USA intro - YouTube - </a:t>
+            </a:r>
+            <a:r>
+              <a:rPr lang="en-US" dirty="0">
+                <a:hlinkClick r:id="rId3"/>
+              </a:rPr>
+              <a:t>https://www.youtube.com/watch?v=BaN1DuVY3go</a:t>
+            </a:r>
+            <a:endParaRPr lang="en-US" dirty="0"/>
+          </a:p>
+          <a:p>
+            <a:r>
+              <a:rPr lang="en-US" dirty="0"/>
+              <a:t>General overview - YouTube - </a:t>
+            </a:r>
+            <a:r>
+              <a:rPr lang="en-US" dirty="0">
+                <a:hlinkClick r:id="rId4"/>
+              </a:rPr>
+              <a:t>https://www.youtube.com/watch?v=hAgjlMmiaLY</a:t>
+            </a:r>
+            <a:endParaRPr lang="en-US" dirty="0"/>
+          </a:p>
+          <a:p>
+            <a:r>
+              <a:rPr lang="en-US" dirty="0"/>
+              <a:t>General Introduction to IHE - </a:t>
+            </a:r>
+            <a:r>
+              <a:rPr lang="en-US" dirty="0">
+                <a:hlinkClick r:id="rId5"/>
+              </a:rPr>
+              <a:t>https://www.ihe.net/resources/technical_frameworks/#GenIntro</a:t>
+            </a:r>
+            <a:endParaRPr lang="en-US" dirty="0"/>
+          </a:p>
+          <a:p>
+            <a:pPr lvl="1"/>
+            <a:r>
+              <a:rPr lang="en-US" dirty="0"/>
+              <a:t>Actors, Transactions, Namespaces, Glossary, Profiling, and Integration Statements</a:t>
+            </a:r>
+          </a:p>
+          <a:p>
+            <a:r>
+              <a:rPr lang="en-US" dirty="0"/>
+              <a:t>Connectathon - YouTube - </a:t>
+            </a:r>
+            <a:r>
+              <a:rPr lang="en-US" dirty="0">
+                <a:hlinkClick r:id="rId6"/>
+              </a:rPr>
+              <a:t>https://www.youtube.com/watch?v=ozHb9gm1nws</a:t>
+            </a:r>
+            <a:endParaRPr lang="en-US" dirty="0"/>
+          </a:p>
+          <a:p>
+            <a:r>
+              <a:rPr lang="en-US" dirty="0"/>
+              <a:t>Governance Process - </a:t>
+            </a:r>
+            <a:r>
+              <a:rPr lang="en-US" dirty="0">
+                <a:hlinkClick r:id="rId7"/>
+              </a:rPr>
+              <a:t>https://wiki.ihe.net/index.php/Process</a:t>
+            </a:r>
+            <a:endParaRPr lang="en-US" dirty="0"/>
+          </a:p>
+          <a:p>
+            <a:pPr lvl="1"/>
+            <a:r>
+              <a:rPr lang="en-US" dirty="0"/>
+              <a:t>Continuous Development Process - </a:t>
+            </a:r>
+            <a:r>
+              <a:rPr lang="en-US" dirty="0">
+                <a:hlinkClick r:id="rId8"/>
+              </a:rPr>
+              <a:t>https://wiki.ihe.net/index.php/ITI_Continuous_Development</a:t>
+            </a:r>
+            <a:r>
+              <a:rPr lang="en-US" dirty="0"/>
+              <a:t> </a:t>
+            </a:r>
+          </a:p>
+          <a:p>
+            <a:r>
+              <a:rPr lang="en-US" dirty="0"/>
+              <a:t>Committees - </a:t>
+            </a:r>
+            <a:r>
+              <a:rPr lang="en-US" dirty="0">
+                <a:hlinkClick r:id="rId9"/>
+              </a:rPr>
+              <a:t>https://wiki.ihe.net/index.php/Committees</a:t>
+            </a:r>
+            <a:endParaRPr lang="en-US" dirty="0"/>
+          </a:p>
+          <a:p>
+            <a:r>
+              <a:rPr lang="en-US" dirty="0"/>
+              <a:t>Profiles - </a:t>
+            </a:r>
+            <a:r>
+              <a:rPr lang="en-US" dirty="0">
+                <a:hlinkClick r:id="rId10"/>
+              </a:rPr>
+              <a:t>https://wiki.ihe.net/index.php/Profiles</a:t>
+            </a:r>
+            <a:endParaRPr lang="en-US" dirty="0"/>
+          </a:p>
+          <a:p>
+            <a:endParaRPr lang="en-US" dirty="0"/>
+          </a:p>
+        </p:txBody>
+      </p:sp>
+      <p:sp>
+        <p:nvSpPr>
+          <p:cNvPr id="5" name="Slide Number Placeholder 4">
+            <a:extLst>
+              <a:ext uri="{FF2B5EF4-FFF2-40B4-BE49-F238E27FC236}">
+                <a16:creationId xmlns:a16="http://schemas.microsoft.com/office/drawing/2014/main" id="{112F7C02-4ED6-4C3B-ACE0-F51F1B7CEC02}"/>
+              </a:ext>
+            </a:extLst>
+          </p:cNvPr>
+          <p:cNvSpPr>
+            <a:spLocks noGrp="1"/>
+          </p:cNvSpPr>
+          <p:nvPr>
+            <p:ph type="sldNum" sz="quarter" idx="12"/>
+          </p:nvPr>
+        </p:nvSpPr>
+        <p:spPr/>
+        <p:txBody>
+          <a:bodyPr/>
+          <a:lstStyle/>
+          <a:p>
+            <a:pPr>
+              <a:defRPr/>
+            </a:pPr>
+            <a:fld id="{6549248D-5A39-4A77-9EE0-7D79E3983858}" type="slidenum">
+              <a:rPr lang="en-US" smtClean="0"/>
+              <a:pPr>
+                <a:defRPr/>
+              </a:pPr>
+              <a:t>23</a:t>
+            </a:fld>
+            <a:endParaRPr lang="en-US"/>
+          </a:p>
+        </p:txBody>
+      </p:sp>
+    </p:spTree>
+    <p:extLst>
+      <p:ext uri="{BB962C8B-B14F-4D97-AF65-F5344CB8AC3E}">
+        <p14:creationId xmlns:p14="http://schemas.microsoft.com/office/powerpoint/2010/main" val="108299214"/>
+      </p:ext>
+    </p:extLst>
+  </p:cSld>
+  <p:clrMapOvr>
+    <a:masterClrMapping/>
+  </p:clrMapOvr>
+</p:sld>
+</file>
+
+<file path=ppt/slides/slide24.xml><?xml version="1.0" encoding="utf-8"?>
+<p:sld xmlns:a="http://schemas.openxmlformats.org/drawingml/2006/main" xmlns:r="http://schemas.openxmlformats.org/officeDocument/2006/relationships" xmlns:p="http://schemas.openxmlformats.org/presentationml/2006/main">
+  <p:cSld>
+    <p:spTree>
+      <p:nvGrpSpPr>
+        <p:cNvPr id="1" name=""/>
+        <p:cNvGrpSpPr/>
+        <p:nvPr/>
+      </p:nvGrpSpPr>
+      <p:grpSpPr>
+        <a:xfrm>
+          <a:off x="0" y="0"/>
+          <a:ext cx="0" cy="0"/>
+          <a:chOff x="0" y="0"/>
+          <a:chExt cx="0" cy="0"/>
+        </a:xfrm>
+      </p:grpSpPr>
+      <p:sp>
+        <p:nvSpPr>
+          <p:cNvPr id="2" name="Title 1">
+            <a:extLst>
+              <a:ext uri="{FF2B5EF4-FFF2-40B4-BE49-F238E27FC236}">
+                <a16:creationId xmlns:a16="http://schemas.microsoft.com/office/drawing/2014/main" id="{B98AF2D0-7193-42CC-AEB5-BA02A7B55D60}"/>
+              </a:ext>
+            </a:extLst>
+          </p:cNvPr>
+          <p:cNvSpPr>
+            <a:spLocks noGrp="1"/>
+          </p:cNvSpPr>
+          <p:nvPr>
+            <p:ph type="title"/>
+          </p:nvPr>
+        </p:nvSpPr>
+        <p:spPr/>
+        <p:txBody>
+          <a:bodyPr/>
+          <a:lstStyle/>
+          <a:p>
+            <a:r>
+              <a:rPr lang="en-US" dirty="0"/>
+              <a:t>More on IHE Document Sharing</a:t>
+            </a:r>
+          </a:p>
+        </p:txBody>
+      </p:sp>
+      <p:sp>
+        <p:nvSpPr>
+          <p:cNvPr id="3" name="Content Placeholder 2">
+            <a:extLst>
+              <a:ext uri="{FF2B5EF4-FFF2-40B4-BE49-F238E27FC236}">
+                <a16:creationId xmlns:a16="http://schemas.microsoft.com/office/drawing/2014/main" id="{D5F371A6-32E2-4605-BF9C-68BFF5E6D5BD}"/>
+              </a:ext>
+            </a:extLst>
+          </p:cNvPr>
+          <p:cNvSpPr>
+            <a:spLocks noGrp="1"/>
+          </p:cNvSpPr>
+          <p:nvPr>
+            <p:ph idx="1"/>
+          </p:nvPr>
+        </p:nvSpPr>
+        <p:spPr/>
+        <p:txBody>
+          <a:bodyPr/>
+          <a:lstStyle/>
+          <a:p>
+            <a:r>
+              <a:rPr lang="en-US" dirty="0"/>
+              <a:t>Document Sharing - YouTube -- </a:t>
+            </a:r>
+            <a:r>
+              <a:rPr lang="en-US" dirty="0">
+                <a:hlinkClick r:id="rId3"/>
+              </a:rPr>
+              <a:t>https://www.youtube.com/watch?v=VG1oF5FEijY</a:t>
+            </a:r>
+            <a:endParaRPr lang="en-US" dirty="0"/>
+          </a:p>
+          <a:p>
+            <a:r>
+              <a:rPr lang="en-US" dirty="0"/>
+              <a:t>Metadata handbook - </a:t>
+            </a:r>
+            <a:r>
+              <a:rPr lang="en-US" dirty="0">
+                <a:hlinkClick r:id="rId4"/>
+              </a:rPr>
+              <a:t>https://wiki.ihe.net/index.php/Metadata_Handbook</a:t>
+            </a:r>
+            <a:endParaRPr lang="en-US" dirty="0"/>
+          </a:p>
+          <a:p>
+            <a:r>
+              <a:rPr lang="en-US" dirty="0"/>
+              <a:t>All the Document Sharing profiles </a:t>
+            </a:r>
+            <a:r>
+              <a:rPr lang="en-US" dirty="0">
+                <a:hlinkClick r:id="rId5"/>
+              </a:rPr>
+              <a:t>https://wiki.ihe.net/index.php/Category:DocShare</a:t>
+            </a:r>
+            <a:endParaRPr lang="en-US" dirty="0"/>
+          </a:p>
+          <a:p>
+            <a:r>
+              <a:rPr lang="en-US" dirty="0">
+                <a:hlinkClick r:id="rId6"/>
+              </a:rPr>
+              <a:t>White-Paper Enabling doc sharing through IHE Profiles</a:t>
+            </a:r>
+            <a:endParaRPr lang="en-US" dirty="0"/>
+          </a:p>
+          <a:p>
+            <a:r>
+              <a:rPr lang="en-US" dirty="0">
+                <a:hlinkClick r:id="rId7"/>
+              </a:rPr>
+              <a:t>White-Paper XDS Affinity Domain Template</a:t>
+            </a:r>
+            <a:endParaRPr lang="en-US" dirty="0"/>
+          </a:p>
+          <a:p>
+            <a:r>
+              <a:rPr lang="en-US" dirty="0">
+                <a:hlinkClick r:id="rId8"/>
+              </a:rPr>
+              <a:t>White-Paper HIT Standards for HIM Practices</a:t>
+            </a:r>
+            <a:endParaRPr lang="en-US" dirty="0"/>
+          </a:p>
+          <a:p>
+            <a:r>
+              <a:rPr lang="en-US" dirty="0">
+                <a:hlinkClick r:id="rId9"/>
+              </a:rPr>
+              <a:t>White-Paper Access Control</a:t>
+            </a:r>
+            <a:endParaRPr lang="en-US" dirty="0"/>
+          </a:p>
+          <a:p>
+            <a:r>
+              <a:rPr lang="en-US" dirty="0"/>
+              <a:t>My Blog </a:t>
+            </a:r>
+            <a:r>
+              <a:rPr lang="en-US" u="sng" dirty="0">
+                <a:hlinkClick r:id="rId10"/>
+              </a:rPr>
+              <a:t>topic on Document Sharing </a:t>
+            </a:r>
+            <a:endParaRPr lang="en-US" dirty="0"/>
+          </a:p>
+        </p:txBody>
+      </p:sp>
+      <p:sp>
+        <p:nvSpPr>
+          <p:cNvPr id="4" name="Slide Number Placeholder 3">
+            <a:extLst>
+              <a:ext uri="{FF2B5EF4-FFF2-40B4-BE49-F238E27FC236}">
+                <a16:creationId xmlns:a16="http://schemas.microsoft.com/office/drawing/2014/main" id="{FE75C235-BCA0-433C-9F67-E208C73DF03D}"/>
+              </a:ext>
+            </a:extLst>
+          </p:cNvPr>
+          <p:cNvSpPr>
+            <a:spLocks noGrp="1"/>
+          </p:cNvSpPr>
+          <p:nvPr>
+            <p:ph type="sldNum" sz="quarter" idx="12"/>
+          </p:nvPr>
+        </p:nvSpPr>
+        <p:spPr/>
+        <p:txBody>
+          <a:bodyPr/>
+          <a:lstStyle/>
+          <a:p>
+            <a:pPr>
+              <a:defRPr/>
+            </a:pPr>
+            <a:fld id="{336892F5-F7A2-420A-8BF3-D2A2054912B1}" type="slidenum">
+              <a:rPr lang="en-US" smtClean="0"/>
+              <a:pPr>
+                <a:defRPr/>
+              </a:pPr>
+              <a:t>24</a:t>
+            </a:fld>
+            <a:endParaRPr lang="en-US"/>
+          </a:p>
+        </p:txBody>
+      </p:sp>
+    </p:spTree>
+    <p:extLst>
+      <p:ext uri="{BB962C8B-B14F-4D97-AF65-F5344CB8AC3E}">
+        <p14:creationId xmlns:p14="http://schemas.microsoft.com/office/powerpoint/2010/main" val="4074546061"/>
+      </p:ext>
+    </p:extLst>
+  </p:cSld>
+  <p:clrMapOvr>
+    <a:masterClrMapping/>
+  </p:clrMapOvr>
+</p:sld>
+</file>
+
+<file path=ppt/slides/slide25.xml><?xml version="1.0" encoding="utf-8"?>
+<p:sld xmlns:a="http://schemas.openxmlformats.org/drawingml/2006/main" xmlns:r="http://schemas.openxmlformats.org/officeDocument/2006/relationships" xmlns:p="http://schemas.openxmlformats.org/presentationml/2006/main">
+  <p:cSld>
+    <p:spTree>
+      <p:nvGrpSpPr>
+        <p:cNvPr id="1" name=""/>
+        <p:cNvGrpSpPr/>
+        <p:nvPr/>
+      </p:nvGrpSpPr>
+      <p:grpSpPr>
+        <a:xfrm>
+          <a:off x="0" y="0"/>
+          <a:ext cx="0" cy="0"/>
+          <a:chOff x="0" y="0"/>
+          <a:chExt cx="0" cy="0"/>
+        </a:xfrm>
+      </p:grpSpPr>
+      <p:sp>
+        <p:nvSpPr>
+          <p:cNvPr id="2" name="Title 1">
+            <a:extLst>
+              <a:ext uri="{FF2B5EF4-FFF2-40B4-BE49-F238E27FC236}">
+                <a16:creationId xmlns:a16="http://schemas.microsoft.com/office/drawing/2014/main" id="{AA0E677D-86E4-4965-9691-9C4335111142}"/>
+              </a:ext>
+            </a:extLst>
+          </p:cNvPr>
+          <p:cNvSpPr>
+            <a:spLocks noGrp="1"/>
+          </p:cNvSpPr>
+          <p:nvPr>
+            <p:ph type="title"/>
+          </p:nvPr>
+        </p:nvSpPr>
+        <p:spPr/>
+        <p:txBody>
+          <a:bodyPr/>
+          <a:lstStyle/>
+          <a:p>
+            <a:r>
+              <a:rPr lang="en-US" dirty="0"/>
+              <a:t>More on IHE on FHIR</a:t>
+            </a:r>
+          </a:p>
+        </p:txBody>
+      </p:sp>
+      <p:sp>
+        <p:nvSpPr>
+          <p:cNvPr id="3" name="Content Placeholder 2">
+            <a:extLst>
+              <a:ext uri="{FF2B5EF4-FFF2-40B4-BE49-F238E27FC236}">
+                <a16:creationId xmlns:a16="http://schemas.microsoft.com/office/drawing/2014/main" id="{9AAB64BC-35C5-441F-98E3-4472217143D0}"/>
+              </a:ext>
+            </a:extLst>
+          </p:cNvPr>
+          <p:cNvSpPr>
+            <a:spLocks noGrp="1"/>
+          </p:cNvSpPr>
+          <p:nvPr>
+            <p:ph idx="1"/>
+          </p:nvPr>
+        </p:nvSpPr>
+        <p:spPr/>
+        <p:txBody>
+          <a:bodyPr/>
+          <a:lstStyle/>
+          <a:p>
+            <a:r>
+              <a:rPr lang="en-US" dirty="0"/>
+              <a:t>FHIR Profiles </a:t>
+            </a:r>
+            <a:r>
+              <a:rPr lang="en-US" dirty="0">
+                <a:hlinkClick r:id="rId3"/>
+              </a:rPr>
+              <a:t>https://wiki.ihe.net/index.php/Category:FHIR</a:t>
+            </a:r>
+            <a:endParaRPr lang="en-US" dirty="0"/>
+          </a:p>
+          <a:p>
+            <a:r>
+              <a:rPr lang="en-US" dirty="0"/>
+              <a:t>MHD - YouTube - </a:t>
+            </a:r>
+            <a:r>
+              <a:rPr lang="en-US" dirty="0">
+                <a:hlinkClick r:id="rId4"/>
+              </a:rPr>
+              <a:t>https://www.youtube.com/watch?v=ZpQrHI3VVxY</a:t>
+            </a:r>
+            <a:endParaRPr lang="en-US" dirty="0"/>
+          </a:p>
+          <a:p>
+            <a:r>
+              <a:rPr lang="en-US" dirty="0"/>
+              <a:t>mXDE - YouTube - </a:t>
+            </a:r>
+            <a:r>
+              <a:rPr lang="en-US" dirty="0">
+                <a:hlinkClick r:id="rId5"/>
+              </a:rPr>
+              <a:t>https://www.youtube.com/watch?v=o24WQgxiYVI</a:t>
+            </a:r>
+            <a:endParaRPr lang="en-US" dirty="0"/>
+          </a:p>
+          <a:p>
+            <a:r>
+              <a:rPr lang="en-US" dirty="0"/>
+              <a:t>Guidance to IHE profile authors when profiling FHIR   </a:t>
+            </a:r>
+          </a:p>
+          <a:p>
+            <a:pPr lvl="1"/>
+            <a:r>
+              <a:rPr lang="en-US" dirty="0">
+                <a:hlinkClick r:id="rId6"/>
+              </a:rPr>
+              <a:t>https://wiki.ihe.net/index.php/Guidance_on_writing_Profiles_of_FHIR</a:t>
+            </a:r>
+            <a:endParaRPr lang="en-US" dirty="0"/>
+          </a:p>
+          <a:p>
+            <a:r>
+              <a:rPr lang="fr-FR" dirty="0"/>
+              <a:t>IHE FHIR </a:t>
+            </a:r>
+            <a:r>
+              <a:rPr lang="fr-FR" dirty="0" err="1"/>
+              <a:t>conformance</a:t>
+            </a:r>
+            <a:r>
+              <a:rPr lang="fr-FR" dirty="0"/>
+              <a:t> </a:t>
+            </a:r>
+            <a:r>
+              <a:rPr lang="fr-FR" dirty="0" err="1"/>
+              <a:t>resources</a:t>
+            </a:r>
+            <a:r>
+              <a:rPr lang="fr-FR" dirty="0"/>
+              <a:t> - </a:t>
+            </a:r>
+            <a:r>
+              <a:rPr lang="fr-FR" dirty="0">
+                <a:hlinkClick r:id="rId7"/>
+              </a:rPr>
+              <a:t>https://github.com/IHE/fhir</a:t>
+            </a:r>
+            <a:endParaRPr lang="fr-FR" dirty="0"/>
+          </a:p>
+          <a:p>
+            <a:r>
+              <a:rPr lang="en-US" dirty="0"/>
+              <a:t>My Blog </a:t>
+            </a:r>
+            <a:r>
+              <a:rPr lang="en-US" dirty="0">
+                <a:hlinkClick r:id="rId8"/>
+              </a:rPr>
+              <a:t>topic on FHIR</a:t>
+            </a:r>
+            <a:endParaRPr lang="en-US" dirty="0"/>
+          </a:p>
+          <a:p>
+            <a:pPr marL="0" indent="0">
+              <a:buNone/>
+            </a:pPr>
+            <a:endParaRPr lang="en-US" dirty="0"/>
+          </a:p>
+        </p:txBody>
+      </p:sp>
+      <p:sp>
+        <p:nvSpPr>
+          <p:cNvPr id="4" name="Slide Number Placeholder 3">
+            <a:extLst>
+              <a:ext uri="{FF2B5EF4-FFF2-40B4-BE49-F238E27FC236}">
+                <a16:creationId xmlns:a16="http://schemas.microsoft.com/office/drawing/2014/main" id="{C47E2222-A52F-4DFC-A32B-156D39C2C327}"/>
+              </a:ext>
+            </a:extLst>
+          </p:cNvPr>
+          <p:cNvSpPr>
+            <a:spLocks noGrp="1"/>
+          </p:cNvSpPr>
+          <p:nvPr>
+            <p:ph type="sldNum" sz="quarter" idx="12"/>
+          </p:nvPr>
+        </p:nvSpPr>
+        <p:spPr/>
+        <p:txBody>
+          <a:bodyPr/>
+          <a:lstStyle/>
+          <a:p>
+            <a:pPr>
+              <a:defRPr/>
+            </a:pPr>
+            <a:fld id="{336892F5-F7A2-420A-8BF3-D2A2054912B1}" type="slidenum">
+              <a:rPr lang="en-US" smtClean="0"/>
+              <a:pPr>
+                <a:defRPr/>
+              </a:pPr>
+              <a:t>25</a:t>
+            </a:fld>
+            <a:endParaRPr lang="en-US"/>
+          </a:p>
+        </p:txBody>
+      </p:sp>
+    </p:spTree>
+    <p:extLst>
+      <p:ext uri="{BB962C8B-B14F-4D97-AF65-F5344CB8AC3E}">
+        <p14:creationId xmlns:p14="http://schemas.microsoft.com/office/powerpoint/2010/main" val="1106258852"/>
+      </p:ext>
+    </p:extLst>
+  </p:cSld>
+  <p:clrMapOvr>
+    <a:masterClrMapping/>
+  </p:clrMapOvr>
+</p:sld>
+</file>
+
+<file path=ppt/slides/slide26.xml><?xml version="1.0" encoding="utf-8"?>
 <p:sld xmlns:a="http://schemas.openxmlformats.org/drawingml/2006/main" xmlns:r="http://schemas.openxmlformats.org/officeDocument/2006/relationships" xmlns:p="http://schemas.openxmlformats.org/presentationml/2006/main">
   <p:cSld>
     <p:spTree>
@@ -15506,7 +16539,7 @@
             <a:fld id="{C52921F7-34AA-45FB-8377-BFCAE17E0413}" type="slidenum">
               <a:rPr lang="en-US" smtClean="0"/>
               <a:pPr defTabSz="1018818"/>
-              <a:t>23</a:t>
+              <a:t>26</a:t>
             </a:fld>
             <a:endParaRPr lang="en-US" dirty="0"/>
           </a:p>

--- a/Presentations/IHE-and-HL7.pptx
+++ b/Presentations/IHE-and-HL7.pptx
@@ -11321,7 +11321,7 @@
         <p:spPr>
           <a:xfrm>
             <a:off x="360703" y="1613004"/>
-            <a:ext cx="8686800" cy="1785104"/>
+            <a:ext cx="8686800" cy="2800767"/>
           </a:xfrm>
           <a:prstGeom prst="rect">
             <a:avLst/>
@@ -11336,7 +11336,7 @@
           <a:p>
             <a:pPr algn="ctr"/>
             <a:r>
-              <a:rPr lang="en-US" sz="2800" dirty="0"/>
+              <a:rPr lang="en-US" sz="3600" b="1" dirty="0"/>
               <a:t>IHE and HL7 working together</a:t>
             </a:r>
           </a:p>
@@ -11350,23 +11350,33 @@
           <a:p>
             <a:pPr algn="ctr"/>
             <a:r>
-              <a:rPr lang="en-US" dirty="0"/>
+              <a:rPr lang="en-US" sz="2800" dirty="0"/>
               <a:t>&lt;JohnMoehrke@gmail.com&gt;</a:t>
             </a:r>
           </a:p>
           <a:p>
             <a:pPr algn="ctr"/>
             <a:r>
-              <a:rPr lang="en-US" dirty="0"/>
+              <a:rPr lang="en-US" sz="2800" dirty="0"/>
               <a:t>&lt;John.Moehrke@byLight.com&gt;</a:t>
             </a:r>
           </a:p>
           <a:p>
             <a:pPr algn="ctr"/>
             <a:r>
-              <a:rPr lang="en-US" dirty="0"/>
+              <a:rPr lang="en-US" sz="2800" dirty="0"/>
               <a:t>Co-Chair: IHE ITI Planning and Technical Committees</a:t>
             </a:r>
+          </a:p>
+          <a:p>
+            <a:pPr algn="ctr"/>
+            <a:r>
+              <a:rPr lang="en-US" sz="2800" dirty="0">
+                <a:hlinkClick r:id="rId3"/>
+              </a:rPr>
+              <a:t>https://HealthcareSecPrivacy.blogspot.com/</a:t>
+            </a:r>
+            <a:endParaRPr lang="en-US" sz="2800" dirty="0"/>
           </a:p>
         </p:txBody>
       </p:sp>
@@ -11459,7 +11469,7 @@
             <p:nvPr/>
           </p:nvPicPr>
           <p:blipFill>
-            <a:blip r:embed="rId3" cstate="screen">
+            <a:blip r:embed="rId4" cstate="screen">
               <a:extLst>
                 <a:ext uri="{28A0092B-C50C-407E-A947-70E740481C1C}">
                   <a14:useLocalDpi xmlns:a14="http://schemas.microsoft.com/office/drawing/2010/main"/>
@@ -11507,7 +11517,7 @@
           <p:nvPr/>
         </p:nvPicPr>
         <p:blipFill>
-          <a:blip r:embed="rId4">
+          <a:blip r:embed="rId5">
             <a:extLst>
               <a:ext uri="{28A0092B-C50C-407E-A947-70E740481C1C}">
                 <a14:useLocalDpi xmlns:a14="http://schemas.microsoft.com/office/drawing/2010/main"/>
@@ -11554,7 +11564,7 @@
           <p:nvPr/>
         </p:nvPicPr>
         <p:blipFill>
-          <a:blip r:embed="rId5" cstate="print">
+          <a:blip r:embed="rId6" cstate="print">
             <a:extLst>
               <a:ext uri="{28A0092B-C50C-407E-A947-70E740481C1C}">
                 <a14:useLocalDpi xmlns:a14="http://schemas.microsoft.com/office/drawing/2010/main" val="0"/>
